--- a/Презентация.pptx
+++ b/Презентация.pptx
@@ -14,7 +14,8 @@
     <p:sldId id="262" r:id="rId8"/>
     <p:sldId id="263" r:id="rId9"/>
     <p:sldId id="264" r:id="rId10"/>
-    <p:sldId id="265" r:id="rId11"/>
+    <p:sldId id="266" r:id="rId11"/>
+    <p:sldId id="265" r:id="rId12"/>
   </p:sldIdLst>
   <p:sldSz cx="12192000" cy="6858000"/>
   <p:notesSz cx="6858000" cy="9144000"/>
@@ -113,6 +114,11 @@
       </a:defRPr>
     </a:lvl9pPr>
   </p:defaultTextStyle>
+  <p:extLst>
+    <p:ext uri="{EFAFB233-063F-42B5-8137-9DF3F51BA10A}">
+      <p15:sldGuideLst xmlns:p15="http://schemas.microsoft.com/office/powerpoint/2012/main"/>
+    </p:ext>
+  </p:extLst>
 </p:presentation>
 </file>
 
@@ -138,7 +144,7 @@
           <p:cNvPr id="2" name="Заголовок 1">
             <a:extLst>
               <a:ext uri="{FF2B5EF4-FFF2-40B4-BE49-F238E27FC236}">
-                <a16:creationId xmlns="" xmlns:a16="http://schemas.microsoft.com/office/drawing/2014/main" id="{2BC06A40-F550-4710-A7E5-99078501E01F}"/>
+                <a16:creationId xmlns:a16="http://schemas.microsoft.com/office/drawing/2014/main" xmlns="" id="{2BC06A40-F550-4710-A7E5-99078501E01F}"/>
               </a:ext>
             </a:extLst>
           </p:cNvPr>
@@ -176,7 +182,7 @@
           <p:cNvPr id="3" name="Подзаголовок 2">
             <a:extLst>
               <a:ext uri="{FF2B5EF4-FFF2-40B4-BE49-F238E27FC236}">
-                <a16:creationId xmlns="" xmlns:a16="http://schemas.microsoft.com/office/drawing/2014/main" id="{5A7000CB-D87E-4557-9432-F587E010B550}"/>
+                <a16:creationId xmlns:a16="http://schemas.microsoft.com/office/drawing/2014/main" xmlns="" id="{5A7000CB-D87E-4557-9432-F587E010B550}"/>
               </a:ext>
             </a:extLst>
           </p:cNvPr>
@@ -247,7 +253,7 @@
           <p:cNvPr id="4" name="Дата 3">
             <a:extLst>
               <a:ext uri="{FF2B5EF4-FFF2-40B4-BE49-F238E27FC236}">
-                <a16:creationId xmlns="" xmlns:a16="http://schemas.microsoft.com/office/drawing/2014/main" id="{B05B25E9-FBAC-497D-9CFD-35A0BCE839C9}"/>
+                <a16:creationId xmlns:a16="http://schemas.microsoft.com/office/drawing/2014/main" xmlns="" id="{B05B25E9-FBAC-497D-9CFD-35A0BCE839C9}"/>
               </a:ext>
             </a:extLst>
           </p:cNvPr>
@@ -276,7 +282,7 @@
           <p:cNvPr id="5" name="Нижний колонтитул 4">
             <a:extLst>
               <a:ext uri="{FF2B5EF4-FFF2-40B4-BE49-F238E27FC236}">
-                <a16:creationId xmlns="" xmlns:a16="http://schemas.microsoft.com/office/drawing/2014/main" id="{4D6EDF8E-0065-4FB7-8CAD-2E0140E97D7B}"/>
+                <a16:creationId xmlns:a16="http://schemas.microsoft.com/office/drawing/2014/main" xmlns="" id="{4D6EDF8E-0065-4FB7-8CAD-2E0140E97D7B}"/>
               </a:ext>
             </a:extLst>
           </p:cNvPr>
@@ -301,7 +307,7 @@
           <p:cNvPr id="6" name="Номер слайда 5">
             <a:extLst>
               <a:ext uri="{FF2B5EF4-FFF2-40B4-BE49-F238E27FC236}">
-                <a16:creationId xmlns="" xmlns:a16="http://schemas.microsoft.com/office/drawing/2014/main" id="{24C59683-F732-4DB3-8CFF-296CC25B0EE6}"/>
+                <a16:creationId xmlns:a16="http://schemas.microsoft.com/office/drawing/2014/main" xmlns="" id="{24C59683-F732-4DB3-8CFF-296CC25B0EE6}"/>
               </a:ext>
             </a:extLst>
           </p:cNvPr>
@@ -330,7 +336,7 @@
           <p:cNvPr id="8" name="Рисунок 7">
             <a:extLst>
               <a:ext uri="{FF2B5EF4-FFF2-40B4-BE49-F238E27FC236}">
-                <a16:creationId xmlns="" xmlns:a16="http://schemas.microsoft.com/office/drawing/2014/main" id="{71A729B4-FB72-49CD-96B7-93A7ABFB9C02}"/>
+                <a16:creationId xmlns:a16="http://schemas.microsoft.com/office/drawing/2014/main" xmlns="" id="{71A729B4-FB72-49CD-96B7-93A7ABFB9C02}"/>
               </a:ext>
             </a:extLst>
           </p:cNvPr>
@@ -396,7 +402,7 @@
           <p:cNvPr id="2" name="Заголовок 1">
             <a:extLst>
               <a:ext uri="{FF2B5EF4-FFF2-40B4-BE49-F238E27FC236}">
-                <a16:creationId xmlns="" xmlns:a16="http://schemas.microsoft.com/office/drawing/2014/main" id="{623E1E6B-13B9-4B91-B5D7-0D7388FF7CF8}"/>
+                <a16:creationId xmlns:a16="http://schemas.microsoft.com/office/drawing/2014/main" xmlns="" id="{623E1E6B-13B9-4B91-B5D7-0D7388FF7CF8}"/>
               </a:ext>
             </a:extLst>
           </p:cNvPr>
@@ -425,7 +431,7 @@
           <p:cNvPr id="3" name="Вертикальный текст 2">
             <a:extLst>
               <a:ext uri="{FF2B5EF4-FFF2-40B4-BE49-F238E27FC236}">
-                <a16:creationId xmlns="" xmlns:a16="http://schemas.microsoft.com/office/drawing/2014/main" id="{3A75021A-74DE-480A-8497-370F168F2DF9}"/>
+                <a16:creationId xmlns:a16="http://schemas.microsoft.com/office/drawing/2014/main" xmlns="" id="{3A75021A-74DE-480A-8497-370F168F2DF9}"/>
               </a:ext>
             </a:extLst>
           </p:cNvPr>
@@ -483,7 +489,7 @@
           <p:cNvPr id="4" name="Дата 3">
             <a:extLst>
               <a:ext uri="{FF2B5EF4-FFF2-40B4-BE49-F238E27FC236}">
-                <a16:creationId xmlns="" xmlns:a16="http://schemas.microsoft.com/office/drawing/2014/main" id="{D9A6F36A-AEAA-473F-B801-26E8C74DFA01}"/>
+                <a16:creationId xmlns:a16="http://schemas.microsoft.com/office/drawing/2014/main" xmlns="" id="{D9A6F36A-AEAA-473F-B801-26E8C74DFA01}"/>
               </a:ext>
             </a:extLst>
           </p:cNvPr>
@@ -512,7 +518,7 @@
           <p:cNvPr id="5" name="Нижний колонтитул 4">
             <a:extLst>
               <a:ext uri="{FF2B5EF4-FFF2-40B4-BE49-F238E27FC236}">
-                <a16:creationId xmlns="" xmlns:a16="http://schemas.microsoft.com/office/drawing/2014/main" id="{221D90ED-2808-47D9-B7E1-888658D8F03C}"/>
+                <a16:creationId xmlns:a16="http://schemas.microsoft.com/office/drawing/2014/main" xmlns="" id="{221D90ED-2808-47D9-B7E1-888658D8F03C}"/>
               </a:ext>
             </a:extLst>
           </p:cNvPr>
@@ -537,7 +543,7 @@
           <p:cNvPr id="6" name="Номер слайда 5">
             <a:extLst>
               <a:ext uri="{FF2B5EF4-FFF2-40B4-BE49-F238E27FC236}">
-                <a16:creationId xmlns="" xmlns:a16="http://schemas.microsoft.com/office/drawing/2014/main" id="{51BEAF41-5CD7-41D7-A9E3-8EF55A4C1707}"/>
+                <a16:creationId xmlns:a16="http://schemas.microsoft.com/office/drawing/2014/main" xmlns="" id="{51BEAF41-5CD7-41D7-A9E3-8EF55A4C1707}"/>
               </a:ext>
             </a:extLst>
           </p:cNvPr>
@@ -596,7 +602,7 @@
           <p:cNvPr id="2" name="Вертикальный заголовок 1">
             <a:extLst>
               <a:ext uri="{FF2B5EF4-FFF2-40B4-BE49-F238E27FC236}">
-                <a16:creationId xmlns="" xmlns:a16="http://schemas.microsoft.com/office/drawing/2014/main" id="{2E7EA6CC-9C48-42AD-9A26-DAB02B577779}"/>
+                <a16:creationId xmlns:a16="http://schemas.microsoft.com/office/drawing/2014/main" xmlns="" id="{2E7EA6CC-9C48-42AD-9A26-DAB02B577779}"/>
               </a:ext>
             </a:extLst>
           </p:cNvPr>
@@ -630,7 +636,7 @@
           <p:cNvPr id="3" name="Вертикальный текст 2">
             <a:extLst>
               <a:ext uri="{FF2B5EF4-FFF2-40B4-BE49-F238E27FC236}">
-                <a16:creationId xmlns="" xmlns:a16="http://schemas.microsoft.com/office/drawing/2014/main" id="{F1B2080B-B910-46C2-A6B3-F8347B4BEDFF}"/>
+                <a16:creationId xmlns:a16="http://schemas.microsoft.com/office/drawing/2014/main" xmlns="" id="{F1B2080B-B910-46C2-A6B3-F8347B4BEDFF}"/>
               </a:ext>
             </a:extLst>
           </p:cNvPr>
@@ -693,7 +699,7 @@
           <p:cNvPr id="4" name="Дата 3">
             <a:extLst>
               <a:ext uri="{FF2B5EF4-FFF2-40B4-BE49-F238E27FC236}">
-                <a16:creationId xmlns="" xmlns:a16="http://schemas.microsoft.com/office/drawing/2014/main" id="{DAC2E066-61F1-4F60-951B-6CAA592B9CE7}"/>
+                <a16:creationId xmlns:a16="http://schemas.microsoft.com/office/drawing/2014/main" xmlns="" id="{DAC2E066-61F1-4F60-951B-6CAA592B9CE7}"/>
               </a:ext>
             </a:extLst>
           </p:cNvPr>
@@ -722,7 +728,7 @@
           <p:cNvPr id="5" name="Нижний колонтитул 4">
             <a:extLst>
               <a:ext uri="{FF2B5EF4-FFF2-40B4-BE49-F238E27FC236}">
-                <a16:creationId xmlns="" xmlns:a16="http://schemas.microsoft.com/office/drawing/2014/main" id="{E6D140CB-DF2D-45DC-A79E-939875466A1F}"/>
+                <a16:creationId xmlns:a16="http://schemas.microsoft.com/office/drawing/2014/main" xmlns="" id="{E6D140CB-DF2D-45DC-A79E-939875466A1F}"/>
               </a:ext>
             </a:extLst>
           </p:cNvPr>
@@ -747,7 +753,7 @@
           <p:cNvPr id="6" name="Номер слайда 5">
             <a:extLst>
               <a:ext uri="{FF2B5EF4-FFF2-40B4-BE49-F238E27FC236}">
-                <a16:creationId xmlns="" xmlns:a16="http://schemas.microsoft.com/office/drawing/2014/main" id="{D8A1A1BE-874A-48D2-9A09-EAF2E3F7C507}"/>
+                <a16:creationId xmlns:a16="http://schemas.microsoft.com/office/drawing/2014/main" xmlns="" id="{D8A1A1BE-874A-48D2-9A09-EAF2E3F7C507}"/>
               </a:ext>
             </a:extLst>
           </p:cNvPr>
@@ -806,7 +812,7 @@
           <p:cNvPr id="2" name="Заголовок 1">
             <a:extLst>
               <a:ext uri="{FF2B5EF4-FFF2-40B4-BE49-F238E27FC236}">
-                <a16:creationId xmlns="" xmlns:a16="http://schemas.microsoft.com/office/drawing/2014/main" id="{610B56E7-5B3C-4788-8C59-509B77BCC5D8}"/>
+                <a16:creationId xmlns:a16="http://schemas.microsoft.com/office/drawing/2014/main" xmlns="" id="{610B56E7-5B3C-4788-8C59-509B77BCC5D8}"/>
               </a:ext>
             </a:extLst>
           </p:cNvPr>
@@ -835,7 +841,7 @@
           <p:cNvPr id="3" name="Объект 2">
             <a:extLst>
               <a:ext uri="{FF2B5EF4-FFF2-40B4-BE49-F238E27FC236}">
-                <a16:creationId xmlns="" xmlns:a16="http://schemas.microsoft.com/office/drawing/2014/main" id="{AC78C9AC-2637-48C6-AF02-CFB726CA00CA}"/>
+                <a16:creationId xmlns:a16="http://schemas.microsoft.com/office/drawing/2014/main" xmlns="" id="{AC78C9AC-2637-48C6-AF02-CFB726CA00CA}"/>
               </a:ext>
             </a:extLst>
           </p:cNvPr>
@@ -893,7 +899,7 @@
           <p:cNvPr id="4" name="Дата 3">
             <a:extLst>
               <a:ext uri="{FF2B5EF4-FFF2-40B4-BE49-F238E27FC236}">
-                <a16:creationId xmlns="" xmlns:a16="http://schemas.microsoft.com/office/drawing/2014/main" id="{ED90A2E8-3C27-4006-8336-D04E4CD5EA34}"/>
+                <a16:creationId xmlns:a16="http://schemas.microsoft.com/office/drawing/2014/main" xmlns="" id="{ED90A2E8-3C27-4006-8336-D04E4CD5EA34}"/>
               </a:ext>
             </a:extLst>
           </p:cNvPr>
@@ -922,7 +928,7 @@
           <p:cNvPr id="5" name="Нижний колонтитул 4">
             <a:extLst>
               <a:ext uri="{FF2B5EF4-FFF2-40B4-BE49-F238E27FC236}">
-                <a16:creationId xmlns="" xmlns:a16="http://schemas.microsoft.com/office/drawing/2014/main" id="{984B9CD2-0E8C-414F-BF9F-9834B5CA10FC}"/>
+                <a16:creationId xmlns:a16="http://schemas.microsoft.com/office/drawing/2014/main" xmlns="" id="{984B9CD2-0E8C-414F-BF9F-9834B5CA10FC}"/>
               </a:ext>
             </a:extLst>
           </p:cNvPr>
@@ -947,7 +953,7 @@
           <p:cNvPr id="6" name="Номер слайда 5">
             <a:extLst>
               <a:ext uri="{FF2B5EF4-FFF2-40B4-BE49-F238E27FC236}">
-                <a16:creationId xmlns="" xmlns:a16="http://schemas.microsoft.com/office/drawing/2014/main" id="{9CB1366D-6579-44ED-9AA2-6C7F476ACF46}"/>
+                <a16:creationId xmlns:a16="http://schemas.microsoft.com/office/drawing/2014/main" xmlns="" id="{9CB1366D-6579-44ED-9AA2-6C7F476ACF46}"/>
               </a:ext>
             </a:extLst>
           </p:cNvPr>
@@ -1006,7 +1012,7 @@
           <p:cNvPr id="2" name="Заголовок 1">
             <a:extLst>
               <a:ext uri="{FF2B5EF4-FFF2-40B4-BE49-F238E27FC236}">
-                <a16:creationId xmlns="" xmlns:a16="http://schemas.microsoft.com/office/drawing/2014/main" id="{F41DC8C2-75FE-4E8E-B962-69D62AFF011F}"/>
+                <a16:creationId xmlns:a16="http://schemas.microsoft.com/office/drawing/2014/main" xmlns="" id="{F41DC8C2-75FE-4E8E-B962-69D62AFF011F}"/>
               </a:ext>
             </a:extLst>
           </p:cNvPr>
@@ -1044,7 +1050,7 @@
           <p:cNvPr id="3" name="Текст 2">
             <a:extLst>
               <a:ext uri="{FF2B5EF4-FFF2-40B4-BE49-F238E27FC236}">
-                <a16:creationId xmlns="" xmlns:a16="http://schemas.microsoft.com/office/drawing/2014/main" id="{AEF34133-C971-4F80-92DA-2EE5E957587C}"/>
+                <a16:creationId xmlns:a16="http://schemas.microsoft.com/office/drawing/2014/main" xmlns="" id="{AEF34133-C971-4F80-92DA-2EE5E957587C}"/>
               </a:ext>
             </a:extLst>
           </p:cNvPr>
@@ -1169,7 +1175,7 @@
           <p:cNvPr id="4" name="Дата 3">
             <a:extLst>
               <a:ext uri="{FF2B5EF4-FFF2-40B4-BE49-F238E27FC236}">
-                <a16:creationId xmlns="" xmlns:a16="http://schemas.microsoft.com/office/drawing/2014/main" id="{6D661A2C-BE48-4526-8DEE-675DF170F8E3}"/>
+                <a16:creationId xmlns:a16="http://schemas.microsoft.com/office/drawing/2014/main" xmlns="" id="{6D661A2C-BE48-4526-8DEE-675DF170F8E3}"/>
               </a:ext>
             </a:extLst>
           </p:cNvPr>
@@ -1198,7 +1204,7 @@
           <p:cNvPr id="5" name="Нижний колонтитул 4">
             <a:extLst>
               <a:ext uri="{FF2B5EF4-FFF2-40B4-BE49-F238E27FC236}">
-                <a16:creationId xmlns="" xmlns:a16="http://schemas.microsoft.com/office/drawing/2014/main" id="{97C538FE-CA94-4AB3-90A4-7112FC415610}"/>
+                <a16:creationId xmlns:a16="http://schemas.microsoft.com/office/drawing/2014/main" xmlns="" id="{97C538FE-CA94-4AB3-90A4-7112FC415610}"/>
               </a:ext>
             </a:extLst>
           </p:cNvPr>
@@ -1223,7 +1229,7 @@
           <p:cNvPr id="6" name="Номер слайда 5">
             <a:extLst>
               <a:ext uri="{FF2B5EF4-FFF2-40B4-BE49-F238E27FC236}">
-                <a16:creationId xmlns="" xmlns:a16="http://schemas.microsoft.com/office/drawing/2014/main" id="{0097FF79-67A0-482C-82C5-955257D5467C}"/>
+                <a16:creationId xmlns:a16="http://schemas.microsoft.com/office/drawing/2014/main" xmlns="" id="{0097FF79-67A0-482C-82C5-955257D5467C}"/>
               </a:ext>
             </a:extLst>
           </p:cNvPr>
@@ -1282,7 +1288,7 @@
           <p:cNvPr id="2" name="Заголовок 1">
             <a:extLst>
               <a:ext uri="{FF2B5EF4-FFF2-40B4-BE49-F238E27FC236}">
-                <a16:creationId xmlns="" xmlns:a16="http://schemas.microsoft.com/office/drawing/2014/main" id="{14F4EAFD-26C9-4E07-A2A6-C461D9E2874C}"/>
+                <a16:creationId xmlns:a16="http://schemas.microsoft.com/office/drawing/2014/main" xmlns="" id="{14F4EAFD-26C9-4E07-A2A6-C461D9E2874C}"/>
               </a:ext>
             </a:extLst>
           </p:cNvPr>
@@ -1311,7 +1317,7 @@
           <p:cNvPr id="3" name="Объект 2">
             <a:extLst>
               <a:ext uri="{FF2B5EF4-FFF2-40B4-BE49-F238E27FC236}">
-                <a16:creationId xmlns="" xmlns:a16="http://schemas.microsoft.com/office/drawing/2014/main" id="{1EF8188F-3543-40E7-B458-98C339223393}"/>
+                <a16:creationId xmlns:a16="http://schemas.microsoft.com/office/drawing/2014/main" xmlns="" id="{1EF8188F-3543-40E7-B458-98C339223393}"/>
               </a:ext>
             </a:extLst>
           </p:cNvPr>
@@ -1374,7 +1380,7 @@
           <p:cNvPr id="4" name="Объект 3">
             <a:extLst>
               <a:ext uri="{FF2B5EF4-FFF2-40B4-BE49-F238E27FC236}">
-                <a16:creationId xmlns="" xmlns:a16="http://schemas.microsoft.com/office/drawing/2014/main" id="{94312B30-77FA-453B-A254-CD7672C597E9}"/>
+                <a16:creationId xmlns:a16="http://schemas.microsoft.com/office/drawing/2014/main" xmlns="" id="{94312B30-77FA-453B-A254-CD7672C597E9}"/>
               </a:ext>
             </a:extLst>
           </p:cNvPr>
@@ -1437,7 +1443,7 @@
           <p:cNvPr id="5" name="Дата 4">
             <a:extLst>
               <a:ext uri="{FF2B5EF4-FFF2-40B4-BE49-F238E27FC236}">
-                <a16:creationId xmlns="" xmlns:a16="http://schemas.microsoft.com/office/drawing/2014/main" id="{552E6169-FD8F-45AE-A359-0CDC01927003}"/>
+                <a16:creationId xmlns:a16="http://schemas.microsoft.com/office/drawing/2014/main" xmlns="" id="{552E6169-FD8F-45AE-A359-0CDC01927003}"/>
               </a:ext>
             </a:extLst>
           </p:cNvPr>
@@ -1466,7 +1472,7 @@
           <p:cNvPr id="6" name="Нижний колонтитул 5">
             <a:extLst>
               <a:ext uri="{FF2B5EF4-FFF2-40B4-BE49-F238E27FC236}">
-                <a16:creationId xmlns="" xmlns:a16="http://schemas.microsoft.com/office/drawing/2014/main" id="{E488FF10-6417-4DAC-8D7A-A6A39FE94430}"/>
+                <a16:creationId xmlns:a16="http://schemas.microsoft.com/office/drawing/2014/main" xmlns="" id="{E488FF10-6417-4DAC-8D7A-A6A39FE94430}"/>
               </a:ext>
             </a:extLst>
           </p:cNvPr>
@@ -1491,7 +1497,7 @@
           <p:cNvPr id="7" name="Номер слайда 6">
             <a:extLst>
               <a:ext uri="{FF2B5EF4-FFF2-40B4-BE49-F238E27FC236}">
-                <a16:creationId xmlns="" xmlns:a16="http://schemas.microsoft.com/office/drawing/2014/main" id="{B3053E1D-09F5-43A5-A5AC-C21BE8DAC0AD}"/>
+                <a16:creationId xmlns:a16="http://schemas.microsoft.com/office/drawing/2014/main" xmlns="" id="{B3053E1D-09F5-43A5-A5AC-C21BE8DAC0AD}"/>
               </a:ext>
             </a:extLst>
           </p:cNvPr>
@@ -1550,7 +1556,7 @@
           <p:cNvPr id="2" name="Заголовок 1">
             <a:extLst>
               <a:ext uri="{FF2B5EF4-FFF2-40B4-BE49-F238E27FC236}">
-                <a16:creationId xmlns="" xmlns:a16="http://schemas.microsoft.com/office/drawing/2014/main" id="{80A5F58B-35E3-44D9-8400-6A5804936A46}"/>
+                <a16:creationId xmlns:a16="http://schemas.microsoft.com/office/drawing/2014/main" xmlns="" id="{80A5F58B-35E3-44D9-8400-6A5804936A46}"/>
               </a:ext>
             </a:extLst>
           </p:cNvPr>
@@ -1584,7 +1590,7 @@
           <p:cNvPr id="3" name="Текст 2">
             <a:extLst>
               <a:ext uri="{FF2B5EF4-FFF2-40B4-BE49-F238E27FC236}">
-                <a16:creationId xmlns="" xmlns:a16="http://schemas.microsoft.com/office/drawing/2014/main" id="{3787E44D-D357-4241-854B-3F03333BB835}"/>
+                <a16:creationId xmlns:a16="http://schemas.microsoft.com/office/drawing/2014/main" xmlns="" id="{3787E44D-D357-4241-854B-3F03333BB835}"/>
               </a:ext>
             </a:extLst>
           </p:cNvPr>
@@ -1655,7 +1661,7 @@
           <p:cNvPr id="4" name="Объект 3">
             <a:extLst>
               <a:ext uri="{FF2B5EF4-FFF2-40B4-BE49-F238E27FC236}">
-                <a16:creationId xmlns="" xmlns:a16="http://schemas.microsoft.com/office/drawing/2014/main" id="{B76A06A4-EA0D-4DB4-B0C5-94F0DAD80400}"/>
+                <a16:creationId xmlns:a16="http://schemas.microsoft.com/office/drawing/2014/main" xmlns="" id="{B76A06A4-EA0D-4DB4-B0C5-94F0DAD80400}"/>
               </a:ext>
             </a:extLst>
           </p:cNvPr>
@@ -1718,7 +1724,7 @@
           <p:cNvPr id="5" name="Текст 4">
             <a:extLst>
               <a:ext uri="{FF2B5EF4-FFF2-40B4-BE49-F238E27FC236}">
-                <a16:creationId xmlns="" xmlns:a16="http://schemas.microsoft.com/office/drawing/2014/main" id="{3F3FB3E4-6355-48D2-96CF-D65CE8AD16D6}"/>
+                <a16:creationId xmlns:a16="http://schemas.microsoft.com/office/drawing/2014/main" xmlns="" id="{3F3FB3E4-6355-48D2-96CF-D65CE8AD16D6}"/>
               </a:ext>
             </a:extLst>
           </p:cNvPr>
@@ -1789,7 +1795,7 @@
           <p:cNvPr id="6" name="Объект 5">
             <a:extLst>
               <a:ext uri="{FF2B5EF4-FFF2-40B4-BE49-F238E27FC236}">
-                <a16:creationId xmlns="" xmlns:a16="http://schemas.microsoft.com/office/drawing/2014/main" id="{09D93552-FFE0-4D86-91F0-7DCFEAE72136}"/>
+                <a16:creationId xmlns:a16="http://schemas.microsoft.com/office/drawing/2014/main" xmlns="" id="{09D93552-FFE0-4D86-91F0-7DCFEAE72136}"/>
               </a:ext>
             </a:extLst>
           </p:cNvPr>
@@ -1852,7 +1858,7 @@
           <p:cNvPr id="7" name="Дата 6">
             <a:extLst>
               <a:ext uri="{FF2B5EF4-FFF2-40B4-BE49-F238E27FC236}">
-                <a16:creationId xmlns="" xmlns:a16="http://schemas.microsoft.com/office/drawing/2014/main" id="{DCDE0C3C-DA52-49C4-B604-34FC975CD6DD}"/>
+                <a16:creationId xmlns:a16="http://schemas.microsoft.com/office/drawing/2014/main" xmlns="" id="{DCDE0C3C-DA52-49C4-B604-34FC975CD6DD}"/>
               </a:ext>
             </a:extLst>
           </p:cNvPr>
@@ -1881,7 +1887,7 @@
           <p:cNvPr id="8" name="Нижний колонтитул 7">
             <a:extLst>
               <a:ext uri="{FF2B5EF4-FFF2-40B4-BE49-F238E27FC236}">
-                <a16:creationId xmlns="" xmlns:a16="http://schemas.microsoft.com/office/drawing/2014/main" id="{C903BB8E-9281-4417-A689-E081BEB2C8A2}"/>
+                <a16:creationId xmlns:a16="http://schemas.microsoft.com/office/drawing/2014/main" xmlns="" id="{C903BB8E-9281-4417-A689-E081BEB2C8A2}"/>
               </a:ext>
             </a:extLst>
           </p:cNvPr>
@@ -1906,7 +1912,7 @@
           <p:cNvPr id="9" name="Номер слайда 8">
             <a:extLst>
               <a:ext uri="{FF2B5EF4-FFF2-40B4-BE49-F238E27FC236}">
-                <a16:creationId xmlns="" xmlns:a16="http://schemas.microsoft.com/office/drawing/2014/main" id="{802E4F66-312D-4530-82C7-4B8C35855EBA}"/>
+                <a16:creationId xmlns:a16="http://schemas.microsoft.com/office/drawing/2014/main" xmlns="" id="{802E4F66-312D-4530-82C7-4B8C35855EBA}"/>
               </a:ext>
             </a:extLst>
           </p:cNvPr>
@@ -1965,7 +1971,7 @@
           <p:cNvPr id="2" name="Заголовок 1">
             <a:extLst>
               <a:ext uri="{FF2B5EF4-FFF2-40B4-BE49-F238E27FC236}">
-                <a16:creationId xmlns="" xmlns:a16="http://schemas.microsoft.com/office/drawing/2014/main" id="{612B90BE-5F6F-444A-B32E-98D8300E4C24}"/>
+                <a16:creationId xmlns:a16="http://schemas.microsoft.com/office/drawing/2014/main" xmlns="" id="{612B90BE-5F6F-444A-B32E-98D8300E4C24}"/>
               </a:ext>
             </a:extLst>
           </p:cNvPr>
@@ -1994,7 +2000,7 @@
           <p:cNvPr id="3" name="Дата 2">
             <a:extLst>
               <a:ext uri="{FF2B5EF4-FFF2-40B4-BE49-F238E27FC236}">
-                <a16:creationId xmlns="" xmlns:a16="http://schemas.microsoft.com/office/drawing/2014/main" id="{33363414-FD88-4937-8D2F-D013D620FE45}"/>
+                <a16:creationId xmlns:a16="http://schemas.microsoft.com/office/drawing/2014/main" xmlns="" id="{33363414-FD88-4937-8D2F-D013D620FE45}"/>
               </a:ext>
             </a:extLst>
           </p:cNvPr>
@@ -2023,7 +2029,7 @@
           <p:cNvPr id="4" name="Нижний колонтитул 3">
             <a:extLst>
               <a:ext uri="{FF2B5EF4-FFF2-40B4-BE49-F238E27FC236}">
-                <a16:creationId xmlns="" xmlns:a16="http://schemas.microsoft.com/office/drawing/2014/main" id="{5326DD35-CB15-4565-B58F-7F2F9A24B5DC}"/>
+                <a16:creationId xmlns:a16="http://schemas.microsoft.com/office/drawing/2014/main" xmlns="" id="{5326DD35-CB15-4565-B58F-7F2F9A24B5DC}"/>
               </a:ext>
             </a:extLst>
           </p:cNvPr>
@@ -2048,7 +2054,7 @@
           <p:cNvPr id="5" name="Номер слайда 4">
             <a:extLst>
               <a:ext uri="{FF2B5EF4-FFF2-40B4-BE49-F238E27FC236}">
-                <a16:creationId xmlns="" xmlns:a16="http://schemas.microsoft.com/office/drawing/2014/main" id="{A7626996-526C-47DE-8260-D0E92133B683}"/>
+                <a16:creationId xmlns:a16="http://schemas.microsoft.com/office/drawing/2014/main" xmlns="" id="{A7626996-526C-47DE-8260-D0E92133B683}"/>
               </a:ext>
             </a:extLst>
           </p:cNvPr>
@@ -2107,7 +2113,7 @@
           <p:cNvPr id="2" name="Дата 1">
             <a:extLst>
               <a:ext uri="{FF2B5EF4-FFF2-40B4-BE49-F238E27FC236}">
-                <a16:creationId xmlns="" xmlns:a16="http://schemas.microsoft.com/office/drawing/2014/main" id="{62A4D3ED-AAD4-45CD-B46D-6689452D9A05}"/>
+                <a16:creationId xmlns:a16="http://schemas.microsoft.com/office/drawing/2014/main" xmlns="" id="{62A4D3ED-AAD4-45CD-B46D-6689452D9A05}"/>
               </a:ext>
             </a:extLst>
           </p:cNvPr>
@@ -2136,7 +2142,7 @@
           <p:cNvPr id="3" name="Нижний колонтитул 2">
             <a:extLst>
               <a:ext uri="{FF2B5EF4-FFF2-40B4-BE49-F238E27FC236}">
-                <a16:creationId xmlns="" xmlns:a16="http://schemas.microsoft.com/office/drawing/2014/main" id="{44B5275A-473B-4B25-927B-694C6868F6CF}"/>
+                <a16:creationId xmlns:a16="http://schemas.microsoft.com/office/drawing/2014/main" xmlns="" id="{44B5275A-473B-4B25-927B-694C6868F6CF}"/>
               </a:ext>
             </a:extLst>
           </p:cNvPr>
@@ -2161,7 +2167,7 @@
           <p:cNvPr id="4" name="Номер слайда 3">
             <a:extLst>
               <a:ext uri="{FF2B5EF4-FFF2-40B4-BE49-F238E27FC236}">
-                <a16:creationId xmlns="" xmlns:a16="http://schemas.microsoft.com/office/drawing/2014/main" id="{B0B42A1C-0DD7-4D2E-942B-0EBDC07D5ED9}"/>
+                <a16:creationId xmlns:a16="http://schemas.microsoft.com/office/drawing/2014/main" xmlns="" id="{B0B42A1C-0DD7-4D2E-942B-0EBDC07D5ED9}"/>
               </a:ext>
             </a:extLst>
           </p:cNvPr>
@@ -2220,7 +2226,7 @@
           <p:cNvPr id="2" name="Заголовок 1">
             <a:extLst>
               <a:ext uri="{FF2B5EF4-FFF2-40B4-BE49-F238E27FC236}">
-                <a16:creationId xmlns="" xmlns:a16="http://schemas.microsoft.com/office/drawing/2014/main" id="{580B868E-9509-4753-938C-7F6AB0691E56}"/>
+                <a16:creationId xmlns:a16="http://schemas.microsoft.com/office/drawing/2014/main" xmlns="" id="{580B868E-9509-4753-938C-7F6AB0691E56}"/>
               </a:ext>
             </a:extLst>
           </p:cNvPr>
@@ -2258,7 +2264,7 @@
           <p:cNvPr id="3" name="Объект 2">
             <a:extLst>
               <a:ext uri="{FF2B5EF4-FFF2-40B4-BE49-F238E27FC236}">
-                <a16:creationId xmlns="" xmlns:a16="http://schemas.microsoft.com/office/drawing/2014/main" id="{BB609F60-3E07-4617-9FB0-C0683A0D7FBE}"/>
+                <a16:creationId xmlns:a16="http://schemas.microsoft.com/office/drawing/2014/main" xmlns="" id="{BB609F60-3E07-4617-9FB0-C0683A0D7FBE}"/>
               </a:ext>
             </a:extLst>
           </p:cNvPr>
@@ -2349,7 +2355,7 @@
           <p:cNvPr id="4" name="Текст 3">
             <a:extLst>
               <a:ext uri="{FF2B5EF4-FFF2-40B4-BE49-F238E27FC236}">
-                <a16:creationId xmlns="" xmlns:a16="http://schemas.microsoft.com/office/drawing/2014/main" id="{6BDD6406-F770-49AA-8A4A-32104DF75EF1}"/>
+                <a16:creationId xmlns:a16="http://schemas.microsoft.com/office/drawing/2014/main" xmlns="" id="{6BDD6406-F770-49AA-8A4A-32104DF75EF1}"/>
               </a:ext>
             </a:extLst>
           </p:cNvPr>
@@ -2420,7 +2426,7 @@
           <p:cNvPr id="5" name="Дата 4">
             <a:extLst>
               <a:ext uri="{FF2B5EF4-FFF2-40B4-BE49-F238E27FC236}">
-                <a16:creationId xmlns="" xmlns:a16="http://schemas.microsoft.com/office/drawing/2014/main" id="{646BBBEC-BAED-495C-A89C-7576B797EDBD}"/>
+                <a16:creationId xmlns:a16="http://schemas.microsoft.com/office/drawing/2014/main" xmlns="" id="{646BBBEC-BAED-495C-A89C-7576B797EDBD}"/>
               </a:ext>
             </a:extLst>
           </p:cNvPr>
@@ -2449,7 +2455,7 @@
           <p:cNvPr id="6" name="Нижний колонтитул 5">
             <a:extLst>
               <a:ext uri="{FF2B5EF4-FFF2-40B4-BE49-F238E27FC236}">
-                <a16:creationId xmlns="" xmlns:a16="http://schemas.microsoft.com/office/drawing/2014/main" id="{C738EBF8-EA52-48C5-A7D8-6C6724E9D759}"/>
+                <a16:creationId xmlns:a16="http://schemas.microsoft.com/office/drawing/2014/main" xmlns="" id="{C738EBF8-EA52-48C5-A7D8-6C6724E9D759}"/>
               </a:ext>
             </a:extLst>
           </p:cNvPr>
@@ -2474,7 +2480,7 @@
           <p:cNvPr id="7" name="Номер слайда 6">
             <a:extLst>
               <a:ext uri="{FF2B5EF4-FFF2-40B4-BE49-F238E27FC236}">
-                <a16:creationId xmlns="" xmlns:a16="http://schemas.microsoft.com/office/drawing/2014/main" id="{A49A2BCB-4183-4695-9D36-CB9BC946D45B}"/>
+                <a16:creationId xmlns:a16="http://schemas.microsoft.com/office/drawing/2014/main" xmlns="" id="{A49A2BCB-4183-4695-9D36-CB9BC946D45B}"/>
               </a:ext>
             </a:extLst>
           </p:cNvPr>
@@ -2533,7 +2539,7 @@
           <p:cNvPr id="2" name="Заголовок 1">
             <a:extLst>
               <a:ext uri="{FF2B5EF4-FFF2-40B4-BE49-F238E27FC236}">
-                <a16:creationId xmlns="" xmlns:a16="http://schemas.microsoft.com/office/drawing/2014/main" id="{AA2FFDFB-F1D4-4229-8AB0-CBBA0124385E}"/>
+                <a16:creationId xmlns:a16="http://schemas.microsoft.com/office/drawing/2014/main" xmlns="" id="{AA2FFDFB-F1D4-4229-8AB0-CBBA0124385E}"/>
               </a:ext>
             </a:extLst>
           </p:cNvPr>
@@ -2571,7 +2577,7 @@
           <p:cNvPr id="3" name="Рисунок 2">
             <a:extLst>
               <a:ext uri="{FF2B5EF4-FFF2-40B4-BE49-F238E27FC236}">
-                <a16:creationId xmlns="" xmlns:a16="http://schemas.microsoft.com/office/drawing/2014/main" id="{333EE7B3-4481-40E4-9CB6-DC4C3A9A04C9}"/>
+                <a16:creationId xmlns:a16="http://schemas.microsoft.com/office/drawing/2014/main" xmlns="" id="{333EE7B3-4481-40E4-9CB6-DC4C3A9A04C9}"/>
               </a:ext>
             </a:extLst>
           </p:cNvPr>
@@ -2642,7 +2648,7 @@
           <p:cNvPr id="4" name="Текст 3">
             <a:extLst>
               <a:ext uri="{FF2B5EF4-FFF2-40B4-BE49-F238E27FC236}">
-                <a16:creationId xmlns="" xmlns:a16="http://schemas.microsoft.com/office/drawing/2014/main" id="{FB25BD64-2EAD-4097-A926-EDA3496B5A50}"/>
+                <a16:creationId xmlns:a16="http://schemas.microsoft.com/office/drawing/2014/main" xmlns="" id="{FB25BD64-2EAD-4097-A926-EDA3496B5A50}"/>
               </a:ext>
             </a:extLst>
           </p:cNvPr>
@@ -2713,7 +2719,7 @@
           <p:cNvPr id="5" name="Дата 4">
             <a:extLst>
               <a:ext uri="{FF2B5EF4-FFF2-40B4-BE49-F238E27FC236}">
-                <a16:creationId xmlns="" xmlns:a16="http://schemas.microsoft.com/office/drawing/2014/main" id="{9150BCD7-7B1D-4A32-A8B6-E0503A7F99D1}"/>
+                <a16:creationId xmlns:a16="http://schemas.microsoft.com/office/drawing/2014/main" xmlns="" id="{9150BCD7-7B1D-4A32-A8B6-E0503A7F99D1}"/>
               </a:ext>
             </a:extLst>
           </p:cNvPr>
@@ -2742,7 +2748,7 @@
           <p:cNvPr id="6" name="Нижний колонтитул 5">
             <a:extLst>
               <a:ext uri="{FF2B5EF4-FFF2-40B4-BE49-F238E27FC236}">
-                <a16:creationId xmlns="" xmlns:a16="http://schemas.microsoft.com/office/drawing/2014/main" id="{0B1FAA37-D594-4F8A-8999-EEA80A4A017E}"/>
+                <a16:creationId xmlns:a16="http://schemas.microsoft.com/office/drawing/2014/main" xmlns="" id="{0B1FAA37-D594-4F8A-8999-EEA80A4A017E}"/>
               </a:ext>
             </a:extLst>
           </p:cNvPr>
@@ -2767,7 +2773,7 @@
           <p:cNvPr id="7" name="Номер слайда 6">
             <a:extLst>
               <a:ext uri="{FF2B5EF4-FFF2-40B4-BE49-F238E27FC236}">
-                <a16:creationId xmlns="" xmlns:a16="http://schemas.microsoft.com/office/drawing/2014/main" id="{F23E9A29-CA84-4208-96B8-2E69CCF50759}"/>
+                <a16:creationId xmlns:a16="http://schemas.microsoft.com/office/drawing/2014/main" xmlns="" id="{F23E9A29-CA84-4208-96B8-2E69CCF50759}"/>
               </a:ext>
             </a:extLst>
           </p:cNvPr>
@@ -2831,7 +2837,7 @@
           <p:cNvPr id="2" name="Заголовок 1">
             <a:extLst>
               <a:ext uri="{FF2B5EF4-FFF2-40B4-BE49-F238E27FC236}">
-                <a16:creationId xmlns="" xmlns:a16="http://schemas.microsoft.com/office/drawing/2014/main" id="{03A1024A-436F-4A3A-8F64-182B186E49B2}"/>
+                <a16:creationId xmlns:a16="http://schemas.microsoft.com/office/drawing/2014/main" xmlns="" id="{03A1024A-436F-4A3A-8F64-182B186E49B2}"/>
               </a:ext>
             </a:extLst>
           </p:cNvPr>
@@ -2869,7 +2875,7 @@
           <p:cNvPr id="3" name="Текст 2">
             <a:extLst>
               <a:ext uri="{FF2B5EF4-FFF2-40B4-BE49-F238E27FC236}">
-                <a16:creationId xmlns="" xmlns:a16="http://schemas.microsoft.com/office/drawing/2014/main" id="{A50195B5-CEAC-4F84-BF78-C79CEA64975B}"/>
+                <a16:creationId xmlns:a16="http://schemas.microsoft.com/office/drawing/2014/main" xmlns="" id="{A50195B5-CEAC-4F84-BF78-C79CEA64975B}"/>
               </a:ext>
             </a:extLst>
           </p:cNvPr>
@@ -2936,7 +2942,7 @@
           <p:cNvPr id="4" name="Дата 3">
             <a:extLst>
               <a:ext uri="{FF2B5EF4-FFF2-40B4-BE49-F238E27FC236}">
-                <a16:creationId xmlns="" xmlns:a16="http://schemas.microsoft.com/office/drawing/2014/main" id="{6B8C447A-D08E-43C8-B2A8-6DD1348F8B04}"/>
+                <a16:creationId xmlns:a16="http://schemas.microsoft.com/office/drawing/2014/main" xmlns="" id="{6B8C447A-D08E-43C8-B2A8-6DD1348F8B04}"/>
               </a:ext>
             </a:extLst>
           </p:cNvPr>
@@ -2983,7 +2989,7 @@
           <p:cNvPr id="5" name="Нижний колонтитул 4">
             <a:extLst>
               <a:ext uri="{FF2B5EF4-FFF2-40B4-BE49-F238E27FC236}">
-                <a16:creationId xmlns="" xmlns:a16="http://schemas.microsoft.com/office/drawing/2014/main" id="{AC7B2602-80F3-4AD7-AC6B-A7922275DB10}"/>
+                <a16:creationId xmlns:a16="http://schemas.microsoft.com/office/drawing/2014/main" xmlns="" id="{AC7B2602-80F3-4AD7-AC6B-A7922275DB10}"/>
               </a:ext>
             </a:extLst>
           </p:cNvPr>
@@ -3026,7 +3032,7 @@
           <p:cNvPr id="6" name="Номер слайда 5">
             <a:extLst>
               <a:ext uri="{FF2B5EF4-FFF2-40B4-BE49-F238E27FC236}">
-                <a16:creationId xmlns="" xmlns:a16="http://schemas.microsoft.com/office/drawing/2014/main" id="{0632CAEF-3086-4891-990E-0D4D4C78CDB9}"/>
+                <a16:creationId xmlns:a16="http://schemas.microsoft.com/office/drawing/2014/main" xmlns="" id="{0632CAEF-3086-4891-990E-0D4D4C78CDB9}"/>
               </a:ext>
             </a:extLst>
           </p:cNvPr>
@@ -3073,7 +3079,7 @@
           <p:cNvPr id="8" name="Рисунок 7">
             <a:extLst>
               <a:ext uri="{FF2B5EF4-FFF2-40B4-BE49-F238E27FC236}">
-                <a16:creationId xmlns="" xmlns:a16="http://schemas.microsoft.com/office/drawing/2014/main" id="{E23CAF1C-EBE9-43B1-9819-2DBF42AAC0B7}"/>
+                <a16:creationId xmlns:a16="http://schemas.microsoft.com/office/drawing/2014/main" xmlns="" id="{E23CAF1C-EBE9-43B1-9819-2DBF42AAC0B7}"/>
               </a:ext>
             </a:extLst>
           </p:cNvPr>
@@ -3430,7 +3436,7 @@
           <p:cNvPr id="4" name="Заголовок 1">
             <a:extLst>
               <a:ext uri="{FF2B5EF4-FFF2-40B4-BE49-F238E27FC236}">
-                <a16:creationId xmlns="" xmlns:a16="http://schemas.microsoft.com/office/drawing/2014/main" id="{58EFEEFC-F308-41DF-B90A-756628A46EF5}"/>
+                <a16:creationId xmlns:a16="http://schemas.microsoft.com/office/drawing/2014/main" xmlns="" id="{58EFEEFC-F308-41DF-B90A-756628A46EF5}"/>
               </a:ext>
             </a:extLst>
           </p:cNvPr>
@@ -3493,7 +3499,7 @@
           <p:cNvPr id="5" name="Подзаголовок 2">
             <a:extLst>
               <a:ext uri="{FF2B5EF4-FFF2-40B4-BE49-F238E27FC236}">
-                <a16:creationId xmlns="" xmlns:a16="http://schemas.microsoft.com/office/drawing/2014/main" id="{BE556B30-44AF-4484-BB03-5A5958B88CAF}"/>
+                <a16:creationId xmlns:a16="http://schemas.microsoft.com/office/drawing/2014/main" xmlns="" id="{BE556B30-44AF-4484-BB03-5A5958B88CAF}"/>
               </a:ext>
             </a:extLst>
           </p:cNvPr>
@@ -3718,7 +3724,7 @@
           <p:cNvPr id="6" name="Прямоугольник 5">
             <a:extLst>
               <a:ext uri="{FF2B5EF4-FFF2-40B4-BE49-F238E27FC236}">
-                <a16:creationId xmlns="" xmlns:a16="http://schemas.microsoft.com/office/drawing/2014/main" id="{620A85E6-59F6-4364-A08D-784840086960}"/>
+                <a16:creationId xmlns:a16="http://schemas.microsoft.com/office/drawing/2014/main" xmlns="" id="{620A85E6-59F6-4364-A08D-784840086960}"/>
               </a:ext>
             </a:extLst>
           </p:cNvPr>
@@ -3786,6 +3792,232 @@
 </file>
 
 <file path=ppt/slides/slide10.xml><?xml version="1.0" encoding="utf-8"?>
+<p:sld xmlns:a="http://schemas.openxmlformats.org/drawingml/2006/main" xmlns:r="http://schemas.openxmlformats.org/officeDocument/2006/relationships" xmlns:p="http://schemas.openxmlformats.org/presentationml/2006/main">
+  <p:cSld>
+    <p:spTree>
+      <p:nvGrpSpPr>
+        <p:cNvPr id="1" name=""/>
+        <p:cNvGrpSpPr/>
+        <p:nvPr/>
+      </p:nvGrpSpPr>
+      <p:grpSpPr>
+        <a:xfrm>
+          <a:off x="0" y="0"/>
+          <a:ext cx="0" cy="0"/>
+          <a:chOff x="0" y="0"/>
+          <a:chExt cx="0" cy="0"/>
+        </a:xfrm>
+      </p:grpSpPr>
+      <p:sp>
+        <p:nvSpPr>
+          <p:cNvPr id="2" name="Заголовок 1"/>
+          <p:cNvSpPr>
+            <a:spLocks noGrp="1"/>
+          </p:cNvSpPr>
+          <p:nvPr>
+            <p:ph type="title"/>
+          </p:nvPr>
+        </p:nvSpPr>
+        <p:spPr>
+          <a:xfrm>
+            <a:off x="727736" y="131914"/>
+            <a:ext cx="10515600" cy="1325563"/>
+          </a:xfrm>
+        </p:spPr>
+        <p:txBody>
+          <a:bodyPr/>
+          <a:lstStyle/>
+          <a:p>
+            <a:pPr algn="ctr"/>
+            <a:r>
+              <a:rPr lang="ru-RU" dirty="0" smtClean="0">
+                <a:solidFill>
+                  <a:schemeClr val="bg1"/>
+                </a:solidFill>
+              </a:rPr>
+              <a:t>Размещение сайта</a:t>
+            </a:r>
+            <a:endParaRPr lang="ru-RU" dirty="0">
+              <a:solidFill>
+                <a:schemeClr val="bg1"/>
+              </a:solidFill>
+            </a:endParaRPr>
+          </a:p>
+        </p:txBody>
+      </p:sp>
+      <p:pic>
+        <p:nvPicPr>
+          <p:cNvPr id="1032" name="Picture 8" descr="Бесплатный хостинг для сайтов без рекламы Beget | WLIN.RU"/>
+          <p:cNvPicPr>
+            <a:picLocks noChangeAspect="1" noChangeArrowheads="1"/>
+          </p:cNvPicPr>
+          <p:nvPr/>
+        </p:nvPicPr>
+        <p:blipFill>
+          <a:blip r:embed="rId2">
+            <a:extLst>
+              <a:ext uri="{28A0092B-C50C-407E-A947-70E740481C1C}">
+                <a14:useLocalDpi xmlns:a14="http://schemas.microsoft.com/office/drawing/2010/main" val="0"/>
+              </a:ext>
+            </a:extLst>
+          </a:blip>
+          <a:srcRect/>
+          <a:stretch>
+            <a:fillRect/>
+          </a:stretch>
+        </p:blipFill>
+        <p:spPr bwMode="auto">
+          <a:xfrm>
+            <a:off x="2875652" y="1702953"/>
+            <a:ext cx="5915025" cy="2257426"/>
+          </a:xfrm>
+          <a:prstGeom prst="rect">
+            <a:avLst/>
+          </a:prstGeom>
+          <a:noFill/>
+          <a:extLst>
+            <a:ext uri="{909E8E84-426E-40DD-AFC4-6F175D3DCCD1}">
+              <a14:hiddenFill xmlns:a14="http://schemas.microsoft.com/office/drawing/2010/main">
+                <a:solidFill>
+                  <a:srgbClr val="FFFFFF"/>
+                </a:solidFill>
+              </a14:hiddenFill>
+            </a:ext>
+          </a:extLst>
+        </p:spPr>
+      </p:pic>
+      <p:pic>
+        <p:nvPicPr>
+          <p:cNvPr id="7" name="Рисунок 6"/>
+          <p:cNvPicPr>
+            <a:picLocks noChangeAspect="1"/>
+          </p:cNvPicPr>
+          <p:nvPr/>
+        </p:nvPicPr>
+        <p:blipFill>
+          <a:blip r:embed="rId3"/>
+          <a:stretch>
+            <a:fillRect/>
+          </a:stretch>
+        </p:blipFill>
+        <p:spPr>
+          <a:xfrm>
+            <a:off x="2992377" y="4621253"/>
+            <a:ext cx="5681577" cy="1411230"/>
+          </a:xfrm>
+          <a:prstGeom prst="rect">
+            <a:avLst/>
+          </a:prstGeom>
+        </p:spPr>
+      </p:pic>
+      <p:sp>
+        <p:nvSpPr>
+          <p:cNvPr id="8" name="TextBox 7"/>
+          <p:cNvSpPr txBox="1"/>
+          <p:nvPr/>
+        </p:nvSpPr>
+        <p:spPr>
+          <a:xfrm>
+            <a:off x="3080759" y="1284743"/>
+            <a:ext cx="5504810" cy="400110"/>
+          </a:xfrm>
+          <a:prstGeom prst="rect">
+            <a:avLst/>
+          </a:prstGeom>
+          <a:noFill/>
+        </p:spPr>
+        <p:txBody>
+          <a:bodyPr wrap="square" rtlCol="0">
+            <a:spAutoFit/>
+          </a:bodyPr>
+          <a:lstStyle/>
+          <a:p>
+            <a:pPr algn="ctr"/>
+            <a:r>
+              <a:rPr lang="en-US" sz="2000" dirty="0" smtClean="0">
+                <a:solidFill>
+                  <a:schemeClr val="bg1"/>
+                </a:solidFill>
+              </a:rPr>
+              <a:t>VPS </a:t>
+            </a:r>
+            <a:r>
+              <a:rPr lang="ru-RU" sz="2000" dirty="0" smtClean="0">
+                <a:solidFill>
+                  <a:schemeClr val="bg1"/>
+                </a:solidFill>
+              </a:rPr>
+              <a:t>Хостинг</a:t>
+            </a:r>
+            <a:endParaRPr lang="ru-RU" sz="2000" dirty="0">
+              <a:solidFill>
+                <a:schemeClr val="bg1"/>
+              </a:solidFill>
+            </a:endParaRPr>
+          </a:p>
+        </p:txBody>
+      </p:sp>
+      <p:sp>
+        <p:nvSpPr>
+          <p:cNvPr id="11" name="TextBox 10"/>
+          <p:cNvSpPr txBox="1"/>
+          <p:nvPr/>
+        </p:nvSpPr>
+        <p:spPr>
+          <a:xfrm>
+            <a:off x="3080759" y="4090761"/>
+            <a:ext cx="5504810" cy="400110"/>
+          </a:xfrm>
+          <a:prstGeom prst="rect">
+            <a:avLst/>
+          </a:prstGeom>
+          <a:noFill/>
+        </p:spPr>
+        <p:txBody>
+          <a:bodyPr wrap="square" rtlCol="0">
+            <a:spAutoFit/>
+          </a:bodyPr>
+          <a:lstStyle/>
+          <a:p>
+            <a:pPr algn="ctr"/>
+            <a:r>
+              <a:rPr lang="ru-RU" sz="2000" dirty="0" smtClean="0">
+                <a:solidFill>
+                  <a:schemeClr val="bg1"/>
+                </a:solidFill>
+              </a:rPr>
+              <a:t>Домен </a:t>
+            </a:r>
+            <a:r>
+              <a:rPr lang="en-US" sz="2000" dirty="0" smtClean="0">
+                <a:solidFill>
+                  <a:schemeClr val="bg1"/>
+                </a:solidFill>
+              </a:rPr>
+              <a:t>aizer.ru</a:t>
+            </a:r>
+            <a:endParaRPr lang="ru-RU" sz="2000" dirty="0">
+              <a:solidFill>
+                <a:schemeClr val="bg1"/>
+              </a:solidFill>
+            </a:endParaRPr>
+          </a:p>
+        </p:txBody>
+      </p:sp>
+    </p:spTree>
+    <p:extLst>
+      <p:ext uri="{BB962C8B-B14F-4D97-AF65-F5344CB8AC3E}">
+        <p14:creationId xmlns:p14="http://schemas.microsoft.com/office/powerpoint/2010/main" val="1461846577"/>
+      </p:ext>
+    </p:extLst>
+  </p:cSld>
+  <p:clrMapOvr>
+    <a:masterClrMapping/>
+  </p:clrMapOvr>
+</p:sld>
+</file>
+
+<file path=ppt/slides/slide11.xml><?xml version="1.0" encoding="utf-8"?>
 <p:sld xmlns:a="http://schemas.openxmlformats.org/drawingml/2006/main" xmlns:r="http://schemas.openxmlformats.org/officeDocument/2006/relationships" xmlns:p="http://schemas.openxmlformats.org/presentationml/2006/main">
   <p:cSld>
     <p:spTree>
